--- a/CEIS150 Project Module 6 Loading Data.pptx
+++ b/CEIS150 Project Module 6 Loading Data.pptx
@@ -270,7 +270,7 @@
           <a:p>
             <a:fld id="{E574BDDD-E77C-4F65-80AE-A2B49D0566BE}" type="datetimeFigureOut">
               <a:rPr lang="en-US" smtClean="0"/>
-              <a:t>10/8/2024</a:t>
+              <a:t>10/13/2024</a:t>
             </a:fld>
             <a:endParaRPr lang="en-US"/>
           </a:p>
@@ -468,7 +468,7 @@
           <a:p>
             <a:fld id="{E574BDDD-E77C-4F65-80AE-A2B49D0566BE}" type="datetimeFigureOut">
               <a:rPr lang="en-US" smtClean="0"/>
-              <a:t>10/8/2024</a:t>
+              <a:t>10/13/2024</a:t>
             </a:fld>
             <a:endParaRPr lang="en-US"/>
           </a:p>
@@ -676,7 +676,7 @@
           <a:p>
             <a:fld id="{E574BDDD-E77C-4F65-80AE-A2B49D0566BE}" type="datetimeFigureOut">
               <a:rPr lang="en-US" smtClean="0"/>
-              <a:t>10/8/2024</a:t>
+              <a:t>10/13/2024</a:t>
             </a:fld>
             <a:endParaRPr lang="en-US"/>
           </a:p>
@@ -874,7 +874,7 @@
           <a:p>
             <a:fld id="{E574BDDD-E77C-4F65-80AE-A2B49D0566BE}" type="datetimeFigureOut">
               <a:rPr lang="en-US" smtClean="0"/>
-              <a:t>10/8/2024</a:t>
+              <a:t>10/13/2024</a:t>
             </a:fld>
             <a:endParaRPr lang="en-US"/>
           </a:p>
@@ -1149,7 +1149,7 @@
           <a:p>
             <a:fld id="{E574BDDD-E77C-4F65-80AE-A2B49D0566BE}" type="datetimeFigureOut">
               <a:rPr lang="en-US" smtClean="0"/>
-              <a:t>10/8/2024</a:t>
+              <a:t>10/13/2024</a:t>
             </a:fld>
             <a:endParaRPr lang="en-US"/>
           </a:p>
@@ -1414,7 +1414,7 @@
           <a:p>
             <a:fld id="{E574BDDD-E77C-4F65-80AE-A2B49D0566BE}" type="datetimeFigureOut">
               <a:rPr lang="en-US" smtClean="0"/>
-              <a:t>10/8/2024</a:t>
+              <a:t>10/13/2024</a:t>
             </a:fld>
             <a:endParaRPr lang="en-US"/>
           </a:p>
@@ -1826,7 +1826,7 @@
           <a:p>
             <a:fld id="{E574BDDD-E77C-4F65-80AE-A2B49D0566BE}" type="datetimeFigureOut">
               <a:rPr lang="en-US" smtClean="0"/>
-              <a:t>10/8/2024</a:t>
+              <a:t>10/13/2024</a:t>
             </a:fld>
             <a:endParaRPr lang="en-US"/>
           </a:p>
@@ -1967,7 +1967,7 @@
           <a:p>
             <a:fld id="{E574BDDD-E77C-4F65-80AE-A2B49D0566BE}" type="datetimeFigureOut">
               <a:rPr lang="en-US" smtClean="0"/>
-              <a:t>10/8/2024</a:t>
+              <a:t>10/13/2024</a:t>
             </a:fld>
             <a:endParaRPr lang="en-US"/>
           </a:p>
@@ -2080,7 +2080,7 @@
           <a:p>
             <a:fld id="{E574BDDD-E77C-4F65-80AE-A2B49D0566BE}" type="datetimeFigureOut">
               <a:rPr lang="en-US" smtClean="0"/>
-              <a:t>10/8/2024</a:t>
+              <a:t>10/13/2024</a:t>
             </a:fld>
             <a:endParaRPr lang="en-US"/>
           </a:p>
@@ -2391,7 +2391,7 @@
           <a:p>
             <a:fld id="{E574BDDD-E77C-4F65-80AE-A2B49D0566BE}" type="datetimeFigureOut">
               <a:rPr lang="en-US" smtClean="0"/>
-              <a:t>10/8/2024</a:t>
+              <a:t>10/13/2024</a:t>
             </a:fld>
             <a:endParaRPr lang="en-US"/>
           </a:p>
@@ -2679,7 +2679,7 @@
           <a:p>
             <a:fld id="{E574BDDD-E77C-4F65-80AE-A2B49D0566BE}" type="datetimeFigureOut">
               <a:rPr lang="en-US" smtClean="0"/>
-              <a:t>10/8/2024</a:t>
+              <a:t>10/13/2024</a:t>
             </a:fld>
             <a:endParaRPr lang="en-US"/>
           </a:p>
@@ -2920,7 +2920,7 @@
           <a:p>
             <a:fld id="{E574BDDD-E77C-4F65-80AE-A2B49D0566BE}" type="datetimeFigureOut">
               <a:rPr lang="en-US" smtClean="0"/>
-              <a:t>10/8/2024</a:t>
+              <a:t>10/13/2024</a:t>
             </a:fld>
             <a:endParaRPr lang="en-US"/>
           </a:p>
@@ -4704,10 +4704,10 @@
       </p:sp>
       <p:pic>
         <p:nvPicPr>
-          <p:cNvPr id="28" name="Picture 27">
-            <a:extLst>
-              <a:ext uri="{FF2B5EF4-FFF2-40B4-BE49-F238E27FC236}">
-                <a16:creationId xmlns:a16="http://schemas.microsoft.com/office/drawing/2014/main" id="{E1FC7735-DCC2-47B4-C907-69BCAF4A2247}"/>
+          <p:cNvPr id="4" name="Picture 3">
+            <a:extLst>
+              <a:ext uri="{FF2B5EF4-FFF2-40B4-BE49-F238E27FC236}">
+                <a16:creationId xmlns:a16="http://schemas.microsoft.com/office/drawing/2014/main" id="{F896B023-9C09-08EE-4D08-93E33D42C64F}"/>
               </a:ext>
             </a:extLst>
           </p:cNvPr>
@@ -4724,8 +4724,8 @@
         </p:blipFill>
         <p:spPr>
           <a:xfrm>
-            <a:off x="4855494" y="962505"/>
-            <a:ext cx="6553144" cy="4151791"/>
+            <a:off x="5297556" y="1117113"/>
+            <a:ext cx="6363571" cy="4123988"/>
           </a:xfrm>
           <a:prstGeom prst="rect">
             <a:avLst/>
@@ -4770,21 +4770,21 @@
           <a:chExt cx="0" cy="0"/>
         </a:xfrm>
       </p:grpSpPr>
-      <p:sp useBgFill="1">
-        <p:nvSpPr>
-          <p:cNvPr id="24" name="Rectangle 23">
-            <a:extLst>
-              <a:ext uri="{FF2B5EF4-FFF2-40B4-BE49-F238E27FC236}">
-                <a16:creationId xmlns:a16="http://schemas.microsoft.com/office/drawing/2014/main" id="{2B97F24A-32CE-4C1C-A50D-3016B394DCFB}"/>
+      <p:grpSp>
+        <p:nvGrpSpPr>
+          <p:cNvPr id="35" name="Group 34">
+            <a:extLst>
+              <a:ext uri="{FF2B5EF4-FFF2-40B4-BE49-F238E27FC236}">
+                <a16:creationId xmlns:a16="http://schemas.microsoft.com/office/drawing/2014/main" id="{114ED94A-C85D-4CD3-4205-438D21CE6B38}"/>
               </a:ext>
               <a:ext uri="{C183D7F6-B498-43B3-948B-1728B52AA6E4}">
                 <adec:decorative xmlns:adec="http://schemas.microsoft.com/office/drawing/2017/decorative" val="1"/>
               </a:ext>
             </a:extLst>
           </p:cNvPr>
-          <p:cNvSpPr>
-            <a:spLocks noGrp="1" noRot="1" noChangeAspect="1" noMove="1" noResize="1" noEditPoints="1" noAdjustHandles="1" noChangeArrowheads="1" noChangeShapeType="1" noTextEdit="1"/>
-          </p:cNvSpPr>
+          <p:cNvGrpSpPr>
+            <a:grpSpLocks noGrp="1" noUngrp="1" noRot="1" noChangeAspect="1" noMove="1" noResize="1"/>
+          </p:cNvGrpSpPr>
           <p:nvPr>
             <p:extLst>
               <p:ext uri="{386F3935-93C4-4BCD-93E2-E3B085C9AB24}">
@@ -4792,64 +4792,335 @@
               </p:ext>
             </p:extLst>
           </p:nvPr>
+        </p:nvGrpSpPr>
+        <p:grpSpPr>
+          <a:xfrm>
+            <a:off x="-19217" y="-1"/>
+            <a:ext cx="5213267" cy="6883030"/>
+            <a:chOff x="-19217" y="-1"/>
+            <a:chExt cx="5213267" cy="6883030"/>
+          </a:xfrm>
+        </p:grpSpPr>
+        <p:sp>
+          <p:nvSpPr>
+            <p:cNvPr id="36" name="Rectangle 35">
+              <a:extLst>
+                <a:ext uri="{FF2B5EF4-FFF2-40B4-BE49-F238E27FC236}">
+                  <a16:creationId xmlns:a16="http://schemas.microsoft.com/office/drawing/2014/main" id="{E642BDB2-BF67-1D53-1C70-0B41D709E485}"/>
+                </a:ext>
+                <a:ext uri="{C183D7F6-B498-43B3-948B-1728B52AA6E4}">
+                  <adec:decorative xmlns:adec="http://schemas.microsoft.com/office/drawing/2017/decorative" val="1"/>
+                </a:ext>
+              </a:extLst>
+            </p:cNvPr>
+            <p:cNvSpPr/>
+            <p:nvPr>
+              <p:extLst>
+                <p:ext uri="{386F3935-93C4-4BCD-93E2-E3B085C9AB24}">
+                  <p16:designElem xmlns:p16="http://schemas.microsoft.com/office/powerpoint/2015/main" val="1"/>
+                </p:ext>
+              </p:extLst>
+            </p:nvPr>
+          </p:nvSpPr>
+          <p:spPr>
+            <a:xfrm>
+              <a:off x="-19206" y="0"/>
+              <a:ext cx="5204956" cy="6883029"/>
+            </a:xfrm>
+            <a:prstGeom prst="rect">
+              <a:avLst/>
+            </a:prstGeom>
+            <a:gradFill>
+              <a:gsLst>
+                <a:gs pos="7000">
+                  <a:schemeClr val="accent2"/>
+                </a:gs>
+                <a:gs pos="100000">
+                  <a:schemeClr val="accent5"/>
+                </a:gs>
+              </a:gsLst>
+              <a:lin ang="4200000" scaled="0"/>
+            </a:gradFill>
+            <a:ln>
+              <a:noFill/>
+            </a:ln>
+          </p:spPr>
+          <p:style>
+            <a:lnRef idx="2">
+              <a:schemeClr val="accent1">
+                <a:shade val="50000"/>
+              </a:schemeClr>
+            </a:lnRef>
+            <a:fillRef idx="1">
+              <a:schemeClr val="accent1"/>
+            </a:fillRef>
+            <a:effectRef idx="0">
+              <a:schemeClr val="accent1"/>
+            </a:effectRef>
+            <a:fontRef idx="minor">
+              <a:schemeClr val="lt1"/>
+            </a:fontRef>
+          </p:style>
+          <p:txBody>
+            <a:bodyPr rtlCol="0" anchor="ctr"/>
+            <a:lstStyle/>
+            <a:p>
+              <a:pPr algn="ctr"/>
+              <a:endParaRPr lang="en-US"/>
+            </a:p>
+          </p:txBody>
+        </p:sp>
+        <p:sp>
+          <p:nvSpPr>
+            <p:cNvPr id="37" name="Rectangle 36">
+              <a:extLst>
+                <a:ext uri="{FF2B5EF4-FFF2-40B4-BE49-F238E27FC236}">
+                  <a16:creationId xmlns:a16="http://schemas.microsoft.com/office/drawing/2014/main" id="{58E0D8CE-5DBF-B664-EB48-C29BF8AB48E1}"/>
+                </a:ext>
+                <a:ext uri="{C183D7F6-B498-43B3-948B-1728B52AA6E4}">
+                  <adec:decorative xmlns:adec="http://schemas.microsoft.com/office/drawing/2017/decorative" val="1"/>
+                </a:ext>
+              </a:extLst>
+            </p:cNvPr>
+            <p:cNvSpPr/>
+            <p:nvPr>
+              <p:extLst>
+                <p:ext uri="{386F3935-93C4-4BCD-93E2-E3B085C9AB24}">
+                  <p16:designElem xmlns:p16="http://schemas.microsoft.com/office/powerpoint/2015/main" val="1"/>
+                </p:ext>
+              </p:extLst>
+            </p:nvPr>
+          </p:nvSpPr>
+          <p:spPr>
+            <a:xfrm rot="10800000">
+              <a:off x="-19217" y="1731909"/>
+              <a:ext cx="5204963" cy="5144400"/>
+            </a:xfrm>
+            <a:prstGeom prst="rect">
+              <a:avLst/>
+            </a:prstGeom>
+            <a:gradFill flip="none" rotWithShape="1">
+              <a:gsLst>
+                <a:gs pos="0">
+                  <a:schemeClr val="accent5">
+                    <a:lumMod val="75000"/>
+                  </a:schemeClr>
+                </a:gs>
+                <a:gs pos="60000">
+                  <a:schemeClr val="accent5">
+                    <a:lumMod val="60000"/>
+                    <a:lumOff val="40000"/>
+                    <a:alpha val="0"/>
+                  </a:schemeClr>
+                </a:gs>
+              </a:gsLst>
+              <a:path path="circle">
+                <a:fillToRect r="100000" b="100000"/>
+              </a:path>
+              <a:tileRect l="-100000" t="-100000"/>
+            </a:gradFill>
+            <a:ln w="12700" cap="flat" cmpd="sng" algn="ctr">
+              <a:noFill/>
+              <a:prstDash val="solid"/>
+              <a:miter lim="800000"/>
+            </a:ln>
+            <a:effectLst/>
+          </p:spPr>
+          <p:style>
+            <a:lnRef idx="2">
+              <a:schemeClr val="accent1">
+                <a:shade val="50000"/>
+              </a:schemeClr>
+            </a:lnRef>
+            <a:fillRef idx="1">
+              <a:schemeClr val="accent1"/>
+            </a:fillRef>
+            <a:effectRef idx="0">
+              <a:schemeClr val="accent1"/>
+            </a:effectRef>
+            <a:fontRef idx="minor">
+              <a:schemeClr val="lt1"/>
+            </a:fontRef>
+          </p:style>
+          <p:txBody>
+            <a:bodyPr rtlCol="0" anchor="ctr"/>
+            <a:lstStyle/>
+            <a:p>
+              <a:pPr algn="r"/>
+              <a:endParaRPr lang="en-US"/>
+            </a:p>
+          </p:txBody>
+        </p:sp>
+        <p:sp>
+          <p:nvSpPr>
+            <p:cNvPr id="33" name="Rectangle 32">
+              <a:extLst>
+                <a:ext uri="{FF2B5EF4-FFF2-40B4-BE49-F238E27FC236}">
+                  <a16:creationId xmlns:a16="http://schemas.microsoft.com/office/drawing/2014/main" id="{DFD140CE-7DE2-C88F-5EAE-F45EB69E6A89}"/>
+                </a:ext>
+                <a:ext uri="{C183D7F6-B498-43B3-948B-1728B52AA6E4}">
+                  <adec:decorative xmlns:adec="http://schemas.microsoft.com/office/drawing/2017/decorative" val="1"/>
+                </a:ext>
+              </a:extLst>
+            </p:cNvPr>
+            <p:cNvSpPr/>
+            <p:nvPr>
+              <p:extLst>
+                <p:ext uri="{386F3935-93C4-4BCD-93E2-E3B085C9AB24}">
+                  <p16:designElem xmlns:p16="http://schemas.microsoft.com/office/powerpoint/2015/main" val="1"/>
+                </p:ext>
+              </p:extLst>
+            </p:nvPr>
+          </p:nvSpPr>
+          <p:spPr>
+            <a:xfrm>
+              <a:off x="-19210" y="6723"/>
+              <a:ext cx="3834567" cy="6876300"/>
+            </a:xfrm>
+            <a:prstGeom prst="rect">
+              <a:avLst/>
+            </a:prstGeom>
+            <a:gradFill flip="none" rotWithShape="1">
+              <a:gsLst>
+                <a:gs pos="3000">
+                  <a:schemeClr val="accent2">
+                    <a:lumMod val="60000"/>
+                    <a:lumOff val="40000"/>
+                    <a:alpha val="78000"/>
+                  </a:schemeClr>
+                </a:gs>
+                <a:gs pos="42000">
+                  <a:schemeClr val="accent2">
+                    <a:alpha val="0"/>
+                  </a:schemeClr>
+                </a:gs>
+              </a:gsLst>
+              <a:lin ang="3000000" scaled="0"/>
+              <a:tileRect/>
+            </a:gradFill>
+            <a:ln>
+              <a:noFill/>
+            </a:ln>
+          </p:spPr>
+          <p:style>
+            <a:lnRef idx="2">
+              <a:schemeClr val="accent1">
+                <a:shade val="50000"/>
+              </a:schemeClr>
+            </a:lnRef>
+            <a:fillRef idx="1">
+              <a:schemeClr val="accent1"/>
+            </a:fillRef>
+            <a:effectRef idx="0">
+              <a:schemeClr val="accent1"/>
+            </a:effectRef>
+            <a:fontRef idx="minor">
+              <a:schemeClr val="lt1"/>
+            </a:fontRef>
+          </p:style>
+          <p:txBody>
+            <a:bodyPr rtlCol="0" anchor="ctr"/>
+            <a:lstStyle/>
+            <a:p>
+              <a:pPr algn="ctr"/>
+              <a:endParaRPr lang="en-US"/>
+            </a:p>
+          </p:txBody>
+        </p:sp>
+        <p:sp>
+          <p:nvSpPr>
+            <p:cNvPr id="34" name="Rectangle 33">
+              <a:extLst>
+                <a:ext uri="{FF2B5EF4-FFF2-40B4-BE49-F238E27FC236}">
+                  <a16:creationId xmlns:a16="http://schemas.microsoft.com/office/drawing/2014/main" id="{557E87E3-413F-10EF-63D8-6016E986C966}"/>
+                </a:ext>
+                <a:ext uri="{C183D7F6-B498-43B3-948B-1728B52AA6E4}">
+                  <adec:decorative xmlns:adec="http://schemas.microsoft.com/office/drawing/2017/decorative" val="1"/>
+                </a:ext>
+              </a:extLst>
+            </p:cNvPr>
+            <p:cNvSpPr/>
+            <p:nvPr>
+              <p:extLst>
+                <p:ext uri="{386F3935-93C4-4BCD-93E2-E3B085C9AB24}">
+                  <p16:designElem xmlns:p16="http://schemas.microsoft.com/office/powerpoint/2015/main" val="1"/>
+                </p:ext>
+              </p:extLst>
+            </p:nvPr>
+          </p:nvSpPr>
+          <p:spPr>
+            <a:xfrm rot="16200000">
+              <a:off x="-844601" y="833689"/>
+              <a:ext cx="6872341" cy="5204961"/>
+            </a:xfrm>
+            <a:prstGeom prst="rect">
+              <a:avLst/>
+            </a:prstGeom>
+            <a:gradFill>
+              <a:gsLst>
+                <a:gs pos="0">
+                  <a:schemeClr val="accent5">
+                    <a:alpha val="86000"/>
+                  </a:schemeClr>
+                </a:gs>
+                <a:gs pos="57000">
+                  <a:schemeClr val="accent2">
+                    <a:alpha val="0"/>
+                  </a:schemeClr>
+                </a:gs>
+              </a:gsLst>
+              <a:lin ang="13800000" scaled="0"/>
+            </a:gradFill>
+            <a:ln>
+              <a:noFill/>
+            </a:ln>
+          </p:spPr>
+          <p:style>
+            <a:lnRef idx="2">
+              <a:schemeClr val="accent1">
+                <a:shade val="50000"/>
+              </a:schemeClr>
+            </a:lnRef>
+            <a:fillRef idx="1">
+              <a:schemeClr val="accent1"/>
+            </a:fillRef>
+            <a:effectRef idx="0">
+              <a:schemeClr val="accent1"/>
+            </a:effectRef>
+            <a:fontRef idx="minor">
+              <a:schemeClr val="lt1"/>
+            </a:fontRef>
+          </p:style>
+          <p:txBody>
+            <a:bodyPr rtlCol="0" anchor="ctr"/>
+            <a:lstStyle/>
+            <a:p>
+              <a:pPr algn="ctr"/>
+              <a:endParaRPr lang="en-US"/>
+            </a:p>
+          </p:txBody>
+        </p:sp>
+      </p:grpSp>
+      <p:sp>
+        <p:nvSpPr>
+          <p:cNvPr id="2" name="Title 1">
+            <a:extLst>
+              <a:ext uri="{FF2B5EF4-FFF2-40B4-BE49-F238E27FC236}">
+                <a16:creationId xmlns:a16="http://schemas.microsoft.com/office/drawing/2014/main" id="{12570DED-E942-4274-A5C5-61D0403EDC64}"/>
+              </a:ext>
+            </a:extLst>
+          </p:cNvPr>
+          <p:cNvSpPr>
+            <a:spLocks noGrp="1"/>
+          </p:cNvSpPr>
+          <p:nvPr>
+            <p:ph type="title"/>
+          </p:nvPr>
         </p:nvSpPr>
         <p:spPr>
           <a:xfrm>
-            <a:off x="0" y="0"/>
-            <a:ext cx="12192000" cy="6858000"/>
-          </a:xfrm>
-          <a:prstGeom prst="rect">
-            <a:avLst/>
-          </a:prstGeom>
-          <a:ln>
-            <a:noFill/>
-          </a:ln>
-        </p:spPr>
-        <p:style>
-          <a:lnRef idx="2">
-            <a:schemeClr val="accent1">
-              <a:shade val="50000"/>
-            </a:schemeClr>
-          </a:lnRef>
-          <a:fillRef idx="1">
-            <a:schemeClr val="accent1"/>
-          </a:fillRef>
-          <a:effectRef idx="0">
-            <a:schemeClr val="accent1"/>
-          </a:effectRef>
-          <a:fontRef idx="minor">
-            <a:schemeClr val="lt1"/>
-          </a:fontRef>
-        </p:style>
-        <p:txBody>
-          <a:bodyPr rtlCol="0" anchor="ctr"/>
-          <a:lstStyle/>
-          <a:p>
-            <a:pPr algn="ctr"/>
-            <a:endParaRPr lang="en-US"/>
-          </a:p>
-        </p:txBody>
-      </p:sp>
-      <p:sp>
-        <p:nvSpPr>
-          <p:cNvPr id="2" name="Title 1">
-            <a:extLst>
-              <a:ext uri="{FF2B5EF4-FFF2-40B4-BE49-F238E27FC236}">
-                <a16:creationId xmlns:a16="http://schemas.microsoft.com/office/drawing/2014/main" id="{12570DED-E942-4274-A5C5-61D0403EDC64}"/>
-              </a:ext>
-            </a:extLst>
-          </p:cNvPr>
-          <p:cNvSpPr>
-            <a:spLocks noGrp="1"/>
-          </p:cNvSpPr>
-          <p:nvPr>
-            <p:ph type="title"/>
-          </p:nvPr>
-        </p:nvSpPr>
-        <p:spPr>
-          <a:xfrm>
-            <a:off x="630936" y="639520"/>
-            <a:ext cx="3429000" cy="1719072"/>
+            <a:off x="755484" y="739835"/>
+            <a:ext cx="3702580" cy="1616203"/>
           </a:xfrm>
         </p:spPr>
         <p:txBody>
@@ -4859,9 +5130,9 @@
           <a:lstStyle/>
           <a:p>
             <a:r>
-              <a:rPr lang="en-US" sz="5400" kern="1200">
+              <a:rPr lang="en-US" kern="1200">
                 <a:solidFill>
-                  <a:schemeClr val="tx1"/>
+                  <a:srgbClr val="FFFFFF"/>
                 </a:solidFill>
                 <a:latin typeface="+mj-lt"/>
                 <a:ea typeface="+mj-ea"/>
@@ -4874,301 +5145,28 @@
       </p:sp>
       <p:sp>
         <p:nvSpPr>
-          <p:cNvPr id="25" name="sketch line">
-            <a:extLst>
-              <a:ext uri="{FF2B5EF4-FFF2-40B4-BE49-F238E27FC236}">
-                <a16:creationId xmlns:a16="http://schemas.microsoft.com/office/drawing/2014/main" id="{6357EC4F-235E-4222-A36F-C7878ACE37F2}"/>
-              </a:ext>
-              <a:ext uri="{C183D7F6-B498-43B3-948B-1728B52AA6E4}">
-                <adec:decorative xmlns:adec="http://schemas.microsoft.com/office/drawing/2017/decorative" val="1"/>
-              </a:ext>
-            </a:extLst>
-          </p:cNvPr>
-          <p:cNvSpPr>
-            <a:spLocks noGrp="1" noRot="1" noChangeAspect="1" noMove="1" noResize="1" noEditPoints="1" noAdjustHandles="1" noChangeArrowheads="1" noChangeShapeType="1" noTextEdit="1"/>
-          </p:cNvSpPr>
-          <p:nvPr>
-            <p:extLst>
-              <p:ext uri="{386F3935-93C4-4BCD-93E2-E3B085C9AB24}">
-                <p16:designElem xmlns:p16="http://schemas.microsoft.com/office/powerpoint/2015/main" val="1"/>
-              </p:ext>
-            </p:extLst>
+          <p:cNvPr id="7" name="Text Placeholder 6">
+            <a:extLst>
+              <a:ext uri="{FF2B5EF4-FFF2-40B4-BE49-F238E27FC236}">
+                <a16:creationId xmlns:a16="http://schemas.microsoft.com/office/drawing/2014/main" id="{FADDAB32-E602-42AB-85E5-81A683738955}"/>
+              </a:ext>
+            </a:extLst>
+          </p:cNvPr>
+          <p:cNvSpPr>
+            <a:spLocks noGrp="1"/>
+          </p:cNvSpPr>
+          <p:nvPr>
+            <p:ph type="body" sz="half" idx="2"/>
           </p:nvPr>
         </p:nvSpPr>
         <p:spPr>
           <a:xfrm>
-            <a:off x="643278" y="2573756"/>
-            <a:ext cx="3255095" cy="18288"/>
-          </a:xfrm>
-          <a:custGeom>
-            <a:avLst/>
-            <a:gdLst>
-              <a:gd name="connsiteX0" fmla="*/ 0 w 3255095"/>
-              <a:gd name="connsiteY0" fmla="*/ 0 h 18288"/>
-              <a:gd name="connsiteX1" fmla="*/ 618468 w 3255095"/>
-              <a:gd name="connsiteY1" fmla="*/ 0 h 18288"/>
-              <a:gd name="connsiteX2" fmla="*/ 1269487 w 3255095"/>
-              <a:gd name="connsiteY2" fmla="*/ 0 h 18288"/>
-              <a:gd name="connsiteX3" fmla="*/ 1953057 w 3255095"/>
-              <a:gd name="connsiteY3" fmla="*/ 0 h 18288"/>
-              <a:gd name="connsiteX4" fmla="*/ 2636627 w 3255095"/>
-              <a:gd name="connsiteY4" fmla="*/ 0 h 18288"/>
-              <a:gd name="connsiteX5" fmla="*/ 3255095 w 3255095"/>
-              <a:gd name="connsiteY5" fmla="*/ 0 h 18288"/>
-              <a:gd name="connsiteX6" fmla="*/ 3255095 w 3255095"/>
-              <a:gd name="connsiteY6" fmla="*/ 18288 h 18288"/>
-              <a:gd name="connsiteX7" fmla="*/ 2538974 w 3255095"/>
-              <a:gd name="connsiteY7" fmla="*/ 18288 h 18288"/>
-              <a:gd name="connsiteX8" fmla="*/ 1822853 w 3255095"/>
-              <a:gd name="connsiteY8" fmla="*/ 18288 h 18288"/>
-              <a:gd name="connsiteX9" fmla="*/ 1171834 w 3255095"/>
-              <a:gd name="connsiteY9" fmla="*/ 18288 h 18288"/>
-              <a:gd name="connsiteX10" fmla="*/ 0 w 3255095"/>
-              <a:gd name="connsiteY10" fmla="*/ 18288 h 18288"/>
-              <a:gd name="connsiteX11" fmla="*/ 0 w 3255095"/>
-              <a:gd name="connsiteY11" fmla="*/ 0 h 18288"/>
-            </a:gdLst>
-            <a:ahLst/>
-            <a:cxnLst>
-              <a:cxn ang="0">
-                <a:pos x="connsiteX0" y="connsiteY0"/>
-              </a:cxn>
-              <a:cxn ang="0">
-                <a:pos x="connsiteX1" y="connsiteY1"/>
-              </a:cxn>
-              <a:cxn ang="0">
-                <a:pos x="connsiteX2" y="connsiteY2"/>
-              </a:cxn>
-              <a:cxn ang="0">
-                <a:pos x="connsiteX3" y="connsiteY3"/>
-              </a:cxn>
-              <a:cxn ang="0">
-                <a:pos x="connsiteX4" y="connsiteY4"/>
-              </a:cxn>
-              <a:cxn ang="0">
-                <a:pos x="connsiteX5" y="connsiteY5"/>
-              </a:cxn>
-              <a:cxn ang="0">
-                <a:pos x="connsiteX6" y="connsiteY6"/>
-              </a:cxn>
-              <a:cxn ang="0">
-                <a:pos x="connsiteX7" y="connsiteY7"/>
-              </a:cxn>
-              <a:cxn ang="0">
-                <a:pos x="connsiteX8" y="connsiteY8"/>
-              </a:cxn>
-              <a:cxn ang="0">
-                <a:pos x="connsiteX9" y="connsiteY9"/>
-              </a:cxn>
-              <a:cxn ang="0">
-                <a:pos x="connsiteX10" y="connsiteY10"/>
-              </a:cxn>
-              <a:cxn ang="0">
-                <a:pos x="connsiteX11" y="connsiteY11"/>
-              </a:cxn>
-            </a:cxnLst>
-            <a:rect l="l" t="t" r="r" b="b"/>
-            <a:pathLst>
-              <a:path w="3255095" h="18288" fill="none" extrusionOk="0">
-                <a:moveTo>
-                  <a:pt x="0" y="0"/>
-                </a:moveTo>
-                <a:cubicBezTo>
-                  <a:pt x="240201" y="-22123"/>
-                  <a:pt x="462021" y="-19623"/>
-                  <a:pt x="618468" y="0"/>
-                </a:cubicBezTo>
-                <a:cubicBezTo>
-                  <a:pt x="774915" y="19623"/>
-                  <a:pt x="974734" y="2035"/>
-                  <a:pt x="1269487" y="0"/>
-                </a:cubicBezTo>
-                <a:cubicBezTo>
-                  <a:pt x="1564240" y="-2035"/>
-                  <a:pt x="1733579" y="10639"/>
-                  <a:pt x="1953057" y="0"/>
-                </a:cubicBezTo>
-                <a:cubicBezTo>
-                  <a:pt x="2172535" y="-10639"/>
-                  <a:pt x="2453962" y="14018"/>
-                  <a:pt x="2636627" y="0"/>
-                </a:cubicBezTo>
-                <a:cubicBezTo>
-                  <a:pt x="2819292" y="-14018"/>
-                  <a:pt x="3121375" y="5399"/>
-                  <a:pt x="3255095" y="0"/>
-                </a:cubicBezTo>
-                <a:cubicBezTo>
-                  <a:pt x="3254386" y="8157"/>
-                  <a:pt x="3254682" y="12125"/>
-                  <a:pt x="3255095" y="18288"/>
-                </a:cubicBezTo>
-                <a:cubicBezTo>
-                  <a:pt x="3088545" y="23203"/>
-                  <a:pt x="2687475" y="7419"/>
-                  <a:pt x="2538974" y="18288"/>
-                </a:cubicBezTo>
-                <a:cubicBezTo>
-                  <a:pt x="2390473" y="29157"/>
-                  <a:pt x="2137381" y="-8959"/>
-                  <a:pt x="1822853" y="18288"/>
-                </a:cubicBezTo>
-                <a:cubicBezTo>
-                  <a:pt x="1508325" y="45535"/>
-                  <a:pt x="1466437" y="20385"/>
-                  <a:pt x="1171834" y="18288"/>
-                </a:cubicBezTo>
-                <a:cubicBezTo>
-                  <a:pt x="877231" y="16191"/>
-                  <a:pt x="561097" y="37643"/>
-                  <a:pt x="0" y="18288"/>
-                </a:cubicBezTo>
-                <a:cubicBezTo>
-                  <a:pt x="-46" y="12483"/>
-                  <a:pt x="-203" y="6491"/>
-                  <a:pt x="0" y="0"/>
-                </a:cubicBezTo>
-                <a:close/>
-              </a:path>
-              <a:path w="3255095" h="18288" stroke="0" extrusionOk="0">
-                <a:moveTo>
-                  <a:pt x="0" y="0"/>
-                </a:moveTo>
-                <a:cubicBezTo>
-                  <a:pt x="291965" y="19429"/>
-                  <a:pt x="363155" y="8568"/>
-                  <a:pt x="618468" y="0"/>
-                </a:cubicBezTo>
-                <a:cubicBezTo>
-                  <a:pt x="873781" y="-8568"/>
-                  <a:pt x="904459" y="-19505"/>
-                  <a:pt x="1171834" y="0"/>
-                </a:cubicBezTo>
-                <a:cubicBezTo>
-                  <a:pt x="1439209" y="19505"/>
-                  <a:pt x="1744369" y="9790"/>
-                  <a:pt x="1887955" y="0"/>
-                </a:cubicBezTo>
-                <a:cubicBezTo>
-                  <a:pt x="2031541" y="-9790"/>
-                  <a:pt x="2346378" y="21240"/>
-                  <a:pt x="2506423" y="0"/>
-                </a:cubicBezTo>
-                <a:cubicBezTo>
-                  <a:pt x="2666468" y="-21240"/>
-                  <a:pt x="2990257" y="30414"/>
-                  <a:pt x="3255095" y="0"/>
-                </a:cubicBezTo>
-                <a:cubicBezTo>
-                  <a:pt x="3254831" y="4493"/>
-                  <a:pt x="3255479" y="9472"/>
-                  <a:pt x="3255095" y="18288"/>
-                </a:cubicBezTo>
-                <a:cubicBezTo>
-                  <a:pt x="3120743" y="16690"/>
-                  <a:pt x="2759628" y="42462"/>
-                  <a:pt x="2604076" y="18288"/>
-                </a:cubicBezTo>
-                <a:cubicBezTo>
-                  <a:pt x="2448524" y="-5886"/>
-                  <a:pt x="2184336" y="19599"/>
-                  <a:pt x="1887955" y="18288"/>
-                </a:cubicBezTo>
-                <a:cubicBezTo>
-                  <a:pt x="1591574" y="16977"/>
-                  <a:pt x="1548845" y="6870"/>
-                  <a:pt x="1334589" y="18288"/>
-                </a:cubicBezTo>
-                <a:cubicBezTo>
-                  <a:pt x="1120333" y="29706"/>
-                  <a:pt x="996014" y="9662"/>
-                  <a:pt x="683570" y="18288"/>
-                </a:cubicBezTo>
-                <a:cubicBezTo>
-                  <a:pt x="371126" y="26914"/>
-                  <a:pt x="198687" y="16167"/>
-                  <a:pt x="0" y="18288"/>
-                </a:cubicBezTo>
-                <a:cubicBezTo>
-                  <a:pt x="843" y="9577"/>
-                  <a:pt x="371" y="6900"/>
-                  <a:pt x="0" y="0"/>
-                </a:cubicBezTo>
-                <a:close/>
-              </a:path>
-            </a:pathLst>
-          </a:custGeom>
-          <a:solidFill>
-            <a:schemeClr val="accent2"/>
-          </a:solidFill>
-          <a:ln w="38100" cap="rnd">
-            <a:solidFill>
-              <a:schemeClr val="accent2"/>
-            </a:solidFill>
-            <a:round/>
-            <a:extLst>
-              <a:ext uri="{C807C97D-BFC1-408E-A445-0C87EB9F89A2}">
-                <ask:lineSketchStyleProps xmlns:ask="http://schemas.microsoft.com/office/drawing/2018/sketchyshapes" sd="1219033472">
-                  <a:prstGeom prst="rect">
-                    <a:avLst/>
-                  </a:prstGeom>
-                  <ask:type>
-                    <ask:lineSketchFreehand/>
-                  </ask:type>
-                </ask:lineSketchStyleProps>
-              </a:ext>
-            </a:extLst>
-          </a:ln>
-        </p:spPr>
-        <p:style>
-          <a:lnRef idx="2">
-            <a:schemeClr val="accent1">
-              <a:shade val="50000"/>
-            </a:schemeClr>
-          </a:lnRef>
-          <a:fillRef idx="1">
-            <a:schemeClr val="accent1"/>
-          </a:fillRef>
-          <a:effectRef idx="0">
-            <a:schemeClr val="accent1"/>
-          </a:effectRef>
-          <a:fontRef idx="minor">
-            <a:schemeClr val="lt1"/>
-          </a:fontRef>
-        </p:style>
-        <p:txBody>
-          <a:bodyPr rtlCol="0" anchor="ctr"/>
-          <a:lstStyle/>
-          <a:p>
-            <a:pPr algn="ctr"/>
-            <a:endParaRPr lang="en-US"/>
-          </a:p>
-        </p:txBody>
-      </p:sp>
-      <p:sp>
-        <p:nvSpPr>
-          <p:cNvPr id="7" name="Text Placeholder 6">
-            <a:extLst>
-              <a:ext uri="{FF2B5EF4-FFF2-40B4-BE49-F238E27FC236}">
-                <a16:creationId xmlns:a16="http://schemas.microsoft.com/office/drawing/2014/main" id="{FADDAB32-E602-42AB-85E5-81A683738955}"/>
-              </a:ext>
-            </a:extLst>
-          </p:cNvPr>
-          <p:cNvSpPr>
-            <a:spLocks noGrp="1"/>
-          </p:cNvSpPr>
-          <p:nvPr>
-            <p:ph type="body" sz="half" idx="2"/>
-          </p:nvPr>
-        </p:nvSpPr>
-        <p:spPr>
-          <a:xfrm>
-            <a:off x="630936" y="2807208"/>
-            <a:ext cx="3429000" cy="3410712"/>
+            <a:off x="755484" y="2459116"/>
+            <a:ext cx="3702579" cy="3524823"/>
           </a:xfrm>
         </p:spPr>
         <p:txBody>
-          <a:bodyPr vert="horz" lIns="91440" tIns="45720" rIns="91440" bIns="45720" rtlCol="0" anchor="t">
+          <a:bodyPr vert="horz" lIns="91440" tIns="45720" rIns="91440" bIns="45720" rtlCol="0">
             <a:normAutofit/>
           </a:bodyPr>
           <a:lstStyle/>
@@ -5178,7 +5176,11 @@
               <a:buChar char="•"/>
             </a:pPr>
             <a:r>
-              <a:rPr lang="en-US" sz="2200"/>
+              <a:rPr lang="en-US" sz="2000">
+                <a:solidFill>
+                  <a:srgbClr val="FFFFFF"/>
+                </a:solidFill>
+              </a:rPr>
               <a:t>Screenshot of the historical data import</a:t>
             </a:r>
           </a:p>
@@ -5187,16 +5189,20 @@
               <a:buFont typeface="Arial" panose="020B0604020202020204" pitchFamily="34" charset="0"/>
               <a:buChar char="•"/>
             </a:pPr>
-            <a:endParaRPr lang="en-US" sz="2200"/>
+            <a:endParaRPr lang="en-US" sz="2000">
+              <a:solidFill>
+                <a:srgbClr val="FFFFFF"/>
+              </a:solidFill>
+            </a:endParaRPr>
           </a:p>
         </p:txBody>
       </p:sp>
       <p:pic>
         <p:nvPicPr>
-          <p:cNvPr id="4" name="Picture 3">
-            <a:extLst>
-              <a:ext uri="{FF2B5EF4-FFF2-40B4-BE49-F238E27FC236}">
-                <a16:creationId xmlns:a16="http://schemas.microsoft.com/office/drawing/2014/main" id="{3E37DC2C-04BA-8D80-4502-28EBA653A041}"/>
+          <p:cNvPr id="5" name="Picture 4" descr="A graph showing the price of tesla&#10;&#10;Description automatically generated">
+            <a:extLst>
+              <a:ext uri="{FF2B5EF4-FFF2-40B4-BE49-F238E27FC236}">
+                <a16:creationId xmlns:a16="http://schemas.microsoft.com/office/drawing/2014/main" id="{28C83C38-EA0B-94B7-B4EF-0B77B8C9EE58}"/>
               </a:ext>
             </a:extLst>
           </p:cNvPr>
@@ -5207,14 +5213,13 @@
         </p:nvPicPr>
         <p:blipFill>
           <a:blip r:embed="rId2"/>
-          <a:stretch>
-            <a:fillRect/>
-          </a:stretch>
+          <a:srcRect t="1178" b="-780"/>
+          <a:stretch/>
         </p:blipFill>
         <p:spPr>
           <a:xfrm>
-            <a:off x="4786013" y="640080"/>
-            <a:ext cx="6640285" cy="5577840"/>
+            <a:off x="6005304" y="1632857"/>
+            <a:ext cx="5407002" cy="3573626"/>
           </a:xfrm>
           <a:prstGeom prst="rect">
             <a:avLst/>
@@ -5538,15 +5543,6 @@
 </file>
 
 <file path=customXml/item2.xml><?xml version="1.0" encoding="utf-8"?>
-<?mso-contentType ?>
-<FormTemplates xmlns="http://schemas.microsoft.com/sharepoint/v3/contenttype/forms">
-  <Display>DocumentLibraryForm</Display>
-  <Edit>DocumentLibraryForm</Edit>
-  <New>DocumentLibraryForm</New>
-</FormTemplates>
-</file>
-
-<file path=customXml/item3.xml><?xml version="1.0" encoding="utf-8"?>
 <ct:contentTypeSchema xmlns:ct="http://schemas.microsoft.com/office/2006/metadata/contentType" xmlns:ma="http://schemas.microsoft.com/office/2006/metadata/properties/metaAttributes" ct:_="" ma:_="" ma:contentTypeName="Document" ma:contentTypeID="0x0101006B0F883F57245246A7747A9329048B46" ma:contentTypeVersion="13" ma:contentTypeDescription="Create a new document." ma:contentTypeScope="" ma:versionID="405fbacda404f3661f41405c2d23432b">
   <xsd:schema xmlns:xsd="http://www.w3.org/2001/XMLSchema" xmlns:xs="http://www.w3.org/2001/XMLSchema" xmlns:p="http://schemas.microsoft.com/office/2006/metadata/properties" xmlns:ns2="b8820432-3450-4e09-b17f-565094e588be" xmlns:ns3="b7b956fb-0613-46b7-a92d-14c47de7bd00" targetNamespace="http://schemas.microsoft.com/office/2006/metadata/properties" ma:root="true" ma:fieldsID="6eb31255b3e73debb3c9a025dfec9584" ns2:_="" ns3:_="">
     <xsd:import namespace="b8820432-3450-4e09-b17f-565094e588be"/>
@@ -5757,6 +5753,15 @@
 </ct:contentTypeSchema>
 </file>
 
+<file path=customXml/item3.xml><?xml version="1.0" encoding="utf-8"?>
+<?mso-contentType ?>
+<FormTemplates xmlns="http://schemas.microsoft.com/sharepoint/v3/contenttype/forms">
+  <Display>DocumentLibraryForm</Display>
+  <Edit>DocumentLibraryForm</Edit>
+  <New>DocumentLibraryForm</New>
+</FormTemplates>
+</file>
+
 <file path=customXml/itemProps1.xml><?xml version="1.0" encoding="utf-8"?>
 <ds:datastoreItem xmlns:ds="http://schemas.openxmlformats.org/officeDocument/2006/customXml" ds:itemID="{373F9C2E-A8DE-4D79-8CF7-43F2381B038E}">
   <ds:schemaRefs>
@@ -5768,14 +5773,6 @@
 </file>
 
 <file path=customXml/itemProps2.xml><?xml version="1.0" encoding="utf-8"?>
-<ds:datastoreItem xmlns:ds="http://schemas.openxmlformats.org/officeDocument/2006/customXml" ds:itemID="{62E3689F-96FA-4532-A7DB-ECD3C1BEB3B3}">
-  <ds:schemaRefs>
-    <ds:schemaRef ds:uri="http://schemas.microsoft.com/sharepoint/v3/contenttype/forms"/>
-  </ds:schemaRefs>
-</ds:datastoreItem>
-</file>
-
-<file path=customXml/itemProps3.xml><?xml version="1.0" encoding="utf-8"?>
 <ds:datastoreItem xmlns:ds="http://schemas.openxmlformats.org/officeDocument/2006/customXml" ds:itemID="{2425C325-6500-4084-917F-33C7F612C34B}">
   <ds:schemaRefs>
     <ds:schemaRef ds:uri="http://schemas.microsoft.com/office/2006/metadata/contentType"/>
@@ -5792,4 +5789,12 @@
     <ds:schemaRef ds:uri="http://schemas.microsoft.com/internal/obd"/>
   </ds:schemaRefs>
 </ds:datastoreItem>
+</file>
+
+<file path=customXml/itemProps3.xml><?xml version="1.0" encoding="utf-8"?>
+<ds:datastoreItem xmlns:ds="http://schemas.openxmlformats.org/officeDocument/2006/customXml" ds:itemID="{62E3689F-96FA-4532-A7DB-ECD3C1BEB3B3}">
+  <ds:schemaRefs>
+    <ds:schemaRef ds:uri="http://schemas.microsoft.com/sharepoint/v3/contenttype/forms"/>
+  </ds:schemaRefs>
+</ds:datastoreItem>
 </file>
--- a/CEIS150 Project Module 6 Loading Data.pptx
+++ b/CEIS150 Project Module 6 Loading Data.pptx
@@ -270,7 +270,7 @@
           <a:p>
             <a:fld id="{E574BDDD-E77C-4F65-80AE-A2B49D0566BE}" type="datetimeFigureOut">
               <a:rPr lang="en-US" smtClean="0"/>
-              <a:t>10/13/2024</a:t>
+              <a:t>10/14/2024</a:t>
             </a:fld>
             <a:endParaRPr lang="en-US"/>
           </a:p>
@@ -468,7 +468,7 @@
           <a:p>
             <a:fld id="{E574BDDD-E77C-4F65-80AE-A2B49D0566BE}" type="datetimeFigureOut">
               <a:rPr lang="en-US" smtClean="0"/>
-              <a:t>10/13/2024</a:t>
+              <a:t>10/14/2024</a:t>
             </a:fld>
             <a:endParaRPr lang="en-US"/>
           </a:p>
@@ -676,7 +676,7 @@
           <a:p>
             <a:fld id="{E574BDDD-E77C-4F65-80AE-A2B49D0566BE}" type="datetimeFigureOut">
               <a:rPr lang="en-US" smtClean="0"/>
-              <a:t>10/13/2024</a:t>
+              <a:t>10/14/2024</a:t>
             </a:fld>
             <a:endParaRPr lang="en-US"/>
           </a:p>
@@ -874,7 +874,7 @@
           <a:p>
             <a:fld id="{E574BDDD-E77C-4F65-80AE-A2B49D0566BE}" type="datetimeFigureOut">
               <a:rPr lang="en-US" smtClean="0"/>
-              <a:t>10/13/2024</a:t>
+              <a:t>10/14/2024</a:t>
             </a:fld>
             <a:endParaRPr lang="en-US"/>
           </a:p>
@@ -1149,7 +1149,7 @@
           <a:p>
             <a:fld id="{E574BDDD-E77C-4F65-80AE-A2B49D0566BE}" type="datetimeFigureOut">
               <a:rPr lang="en-US" smtClean="0"/>
-              <a:t>10/13/2024</a:t>
+              <a:t>10/14/2024</a:t>
             </a:fld>
             <a:endParaRPr lang="en-US"/>
           </a:p>
@@ -1414,7 +1414,7 @@
           <a:p>
             <a:fld id="{E574BDDD-E77C-4F65-80AE-A2B49D0566BE}" type="datetimeFigureOut">
               <a:rPr lang="en-US" smtClean="0"/>
-              <a:t>10/13/2024</a:t>
+              <a:t>10/14/2024</a:t>
             </a:fld>
             <a:endParaRPr lang="en-US"/>
           </a:p>
@@ -1826,7 +1826,7 @@
           <a:p>
             <a:fld id="{E574BDDD-E77C-4F65-80AE-A2B49D0566BE}" type="datetimeFigureOut">
               <a:rPr lang="en-US" smtClean="0"/>
-              <a:t>10/13/2024</a:t>
+              <a:t>10/14/2024</a:t>
             </a:fld>
             <a:endParaRPr lang="en-US"/>
           </a:p>
@@ -1967,7 +1967,7 @@
           <a:p>
             <a:fld id="{E574BDDD-E77C-4F65-80AE-A2B49D0566BE}" type="datetimeFigureOut">
               <a:rPr lang="en-US" smtClean="0"/>
-              <a:t>10/13/2024</a:t>
+              <a:t>10/14/2024</a:t>
             </a:fld>
             <a:endParaRPr lang="en-US"/>
           </a:p>
@@ -2080,7 +2080,7 @@
           <a:p>
             <a:fld id="{E574BDDD-E77C-4F65-80AE-A2B49D0566BE}" type="datetimeFigureOut">
               <a:rPr lang="en-US" smtClean="0"/>
-              <a:t>10/13/2024</a:t>
+              <a:t>10/14/2024</a:t>
             </a:fld>
             <a:endParaRPr lang="en-US"/>
           </a:p>
@@ -2391,7 +2391,7 @@
           <a:p>
             <a:fld id="{E574BDDD-E77C-4F65-80AE-A2B49D0566BE}" type="datetimeFigureOut">
               <a:rPr lang="en-US" smtClean="0"/>
-              <a:t>10/13/2024</a:t>
+              <a:t>10/14/2024</a:t>
             </a:fld>
             <a:endParaRPr lang="en-US"/>
           </a:p>
@@ -2679,7 +2679,7 @@
           <a:p>
             <a:fld id="{E574BDDD-E77C-4F65-80AE-A2B49D0566BE}" type="datetimeFigureOut">
               <a:rPr lang="en-US" smtClean="0"/>
-              <a:t>10/13/2024</a:t>
+              <a:t>10/14/2024</a:t>
             </a:fld>
             <a:endParaRPr lang="en-US"/>
           </a:p>
@@ -2920,7 +2920,7 @@
           <a:p>
             <a:fld id="{E574BDDD-E77C-4F65-80AE-A2B49D0566BE}" type="datetimeFigureOut">
               <a:rPr lang="en-US" smtClean="0"/>
-              <a:t>10/13/2024</a:t>
+              <a:t>10/14/2024</a:t>
             </a:fld>
             <a:endParaRPr lang="en-US"/>
           </a:p>
@@ -4704,10 +4704,10 @@
       </p:sp>
       <p:pic>
         <p:nvPicPr>
-          <p:cNvPr id="4" name="Picture 3">
-            <a:extLst>
-              <a:ext uri="{FF2B5EF4-FFF2-40B4-BE49-F238E27FC236}">
-                <a16:creationId xmlns:a16="http://schemas.microsoft.com/office/drawing/2014/main" id="{F896B023-9C09-08EE-4D08-93E33D42C64F}"/>
+          <p:cNvPr id="5" name="Picture 4">
+            <a:extLst>
+              <a:ext uri="{FF2B5EF4-FFF2-40B4-BE49-F238E27FC236}">
+                <a16:creationId xmlns:a16="http://schemas.microsoft.com/office/drawing/2014/main" id="{290BB669-2F61-B542-03CA-4F1B8449115D}"/>
               </a:ext>
             </a:extLst>
           </p:cNvPr>
@@ -4724,8 +4724,8 @@
         </p:blipFill>
         <p:spPr>
           <a:xfrm>
-            <a:off x="5297556" y="1117113"/>
-            <a:ext cx="6363571" cy="4123988"/>
+            <a:off x="6223518" y="953600"/>
+            <a:ext cx="4534678" cy="4523442"/>
           </a:xfrm>
           <a:prstGeom prst="rect">
             <a:avLst/>
@@ -5199,10 +5199,10 @@
       </p:sp>
       <p:pic>
         <p:nvPicPr>
-          <p:cNvPr id="5" name="Picture 4" descr="A graph showing the price of tesla&#10;&#10;Description automatically generated">
-            <a:extLst>
-              <a:ext uri="{FF2B5EF4-FFF2-40B4-BE49-F238E27FC236}">
-                <a16:creationId xmlns:a16="http://schemas.microsoft.com/office/drawing/2014/main" id="{28C83C38-EA0B-94B7-B4EF-0B77B8C9EE58}"/>
+          <p:cNvPr id="4" name="Picture 3">
+            <a:extLst>
+              <a:ext uri="{FF2B5EF4-FFF2-40B4-BE49-F238E27FC236}">
+                <a16:creationId xmlns:a16="http://schemas.microsoft.com/office/drawing/2014/main" id="{0205CE01-D15E-DDBC-B06F-E0A8DB61DE85}"/>
               </a:ext>
             </a:extLst>
           </p:cNvPr>
@@ -5213,13 +5213,14 @@
         </p:nvPicPr>
         <p:blipFill>
           <a:blip r:embed="rId2"/>
-          <a:srcRect t="1178" b="-780"/>
-          <a:stretch/>
+          <a:stretch>
+            <a:fillRect/>
+          </a:stretch>
         </p:blipFill>
         <p:spPr>
           <a:xfrm>
-            <a:off x="6005304" y="1632857"/>
-            <a:ext cx="5407002" cy="3573626"/>
+            <a:off x="5185746" y="1474229"/>
+            <a:ext cx="7006254" cy="3607190"/>
           </a:xfrm>
           <a:prstGeom prst="rect">
             <a:avLst/>
@@ -5535,14 +5536,6 @@
 </file>
 
 <file path=customXml/item1.xml><?xml version="1.0" encoding="utf-8"?>
-<p:properties xmlns:p="http://schemas.microsoft.com/office/2006/metadata/properties" xmlns:xsi="http://www.w3.org/2001/XMLSchema-instance" xmlns:pc="http://schemas.microsoft.com/office/infopath/2007/PartnerControls">
-  <documentManagement>
-    <Comments xmlns="b8820432-3450-4e09-b17f-565094e588be" xsi:nil="true"/>
-  </documentManagement>
-</p:properties>
-</file>
-
-<file path=customXml/item2.xml><?xml version="1.0" encoding="utf-8"?>
 <ct:contentTypeSchema xmlns:ct="http://schemas.microsoft.com/office/2006/metadata/contentType" xmlns:ma="http://schemas.microsoft.com/office/2006/metadata/properties/metaAttributes" ct:_="" ma:_="" ma:contentTypeName="Document" ma:contentTypeID="0x0101006B0F883F57245246A7747A9329048B46" ma:contentTypeVersion="13" ma:contentTypeDescription="Create a new document." ma:contentTypeScope="" ma:versionID="405fbacda404f3661f41405c2d23432b">
   <xsd:schema xmlns:xsd="http://www.w3.org/2001/XMLSchema" xmlns:xs="http://www.w3.org/2001/XMLSchema" xmlns:p="http://schemas.microsoft.com/office/2006/metadata/properties" xmlns:ns2="b8820432-3450-4e09-b17f-565094e588be" xmlns:ns3="b7b956fb-0613-46b7-a92d-14c47de7bd00" targetNamespace="http://schemas.microsoft.com/office/2006/metadata/properties" ma:root="true" ma:fieldsID="6eb31255b3e73debb3c9a025dfec9584" ns2:_="" ns3:_="">
     <xsd:import namespace="b8820432-3450-4e09-b17f-565094e588be"/>
@@ -5753,6 +5746,14 @@
 </ct:contentTypeSchema>
 </file>
 
+<file path=customXml/item2.xml><?xml version="1.0" encoding="utf-8"?>
+<p:properties xmlns:p="http://schemas.microsoft.com/office/2006/metadata/properties" xmlns:xsi="http://www.w3.org/2001/XMLSchema-instance" xmlns:pc="http://schemas.microsoft.com/office/infopath/2007/PartnerControls">
+  <documentManagement>
+    <Comments xmlns="b8820432-3450-4e09-b17f-565094e588be" xsi:nil="true"/>
+  </documentManagement>
+</p:properties>
+</file>
+
 <file path=customXml/item3.xml><?xml version="1.0" encoding="utf-8"?>
 <?mso-contentType ?>
 <FormTemplates xmlns="http://schemas.microsoft.com/sharepoint/v3/contenttype/forms">
@@ -5763,16 +5764,6 @@
 </file>
 
 <file path=customXml/itemProps1.xml><?xml version="1.0" encoding="utf-8"?>
-<ds:datastoreItem xmlns:ds="http://schemas.openxmlformats.org/officeDocument/2006/customXml" ds:itemID="{373F9C2E-A8DE-4D79-8CF7-43F2381B038E}">
-  <ds:schemaRefs>
-    <ds:schemaRef ds:uri="http://schemas.microsoft.com/office/2006/metadata/properties"/>
-    <ds:schemaRef ds:uri="http://schemas.microsoft.com/office/infopath/2007/PartnerControls"/>
-    <ds:schemaRef ds:uri="b8820432-3450-4e09-b17f-565094e588be"/>
-  </ds:schemaRefs>
-</ds:datastoreItem>
-</file>
-
-<file path=customXml/itemProps2.xml><?xml version="1.0" encoding="utf-8"?>
 <ds:datastoreItem xmlns:ds="http://schemas.openxmlformats.org/officeDocument/2006/customXml" ds:itemID="{2425C325-6500-4084-917F-33C7F612C34B}">
   <ds:schemaRefs>
     <ds:schemaRef ds:uri="http://schemas.microsoft.com/office/2006/metadata/contentType"/>
@@ -5791,6 +5782,16 @@
 </ds:datastoreItem>
 </file>
 
+<file path=customXml/itemProps2.xml><?xml version="1.0" encoding="utf-8"?>
+<ds:datastoreItem xmlns:ds="http://schemas.openxmlformats.org/officeDocument/2006/customXml" ds:itemID="{373F9C2E-A8DE-4D79-8CF7-43F2381B038E}">
+  <ds:schemaRefs>
+    <ds:schemaRef ds:uri="http://schemas.microsoft.com/office/2006/metadata/properties"/>
+    <ds:schemaRef ds:uri="http://schemas.microsoft.com/office/infopath/2007/PartnerControls"/>
+    <ds:schemaRef ds:uri="b8820432-3450-4e09-b17f-565094e588be"/>
+  </ds:schemaRefs>
+</ds:datastoreItem>
+</file>
+
 <file path=customXml/itemProps3.xml><?xml version="1.0" encoding="utf-8"?>
 <ds:datastoreItem xmlns:ds="http://schemas.openxmlformats.org/officeDocument/2006/customXml" ds:itemID="{62E3689F-96FA-4532-A7DB-ECD3C1BEB3B3}">
   <ds:schemaRefs>
